--- a/Complimentary Course Content/Module3/Lessons/Module3_Lesson11 Debugging and Testing Xamarin Apps.pptx
+++ b/Complimentary Course Content/Module3/Lessons/Module3_Lesson11 Debugging and Testing Xamarin Apps.pptx
@@ -129,7 +129,7 @@
   </p:defaultTextStyle>
   <p:extLst>
     <p:ext uri="{EFAFB233-063F-42B5-8137-9DF3F51BA10A}">
-      <p15:sldGuideLst xmlns="" xmlns:p15="http://schemas.microsoft.com/office/powerpoint/2012/main">
+      <p15:sldGuideLst xmlns:p15="http://schemas.microsoft.com/office/powerpoint/2012/main" xmlns="">
         <p15:guide id="1" orient="horz" pos="2160">
           <p15:clr>
             <a:srgbClr val="A4A3A4"/>
@@ -234,7 +234,7 @@
           <a:p>
             <a:fld id="{49B60EF2-7028-489F-85D8-FE86CD7CF2A0}" type="datetimeFigureOut">
               <a:rPr lang="en-US" smtClean="0"/>
-              <a:t>6/28/16</a:t>
+              <a:t>6/30/16</a:t>
             </a:fld>
             <a:endParaRPr lang="en-US"/>
           </a:p>
@@ -3588,7 +3588,7 @@
           <a:p>
             <a:fld id="{0459C166-16D3-4A25-A2F8-C51E0E346B22}" type="datetimeFigureOut">
               <a:rPr lang="en-US" smtClean="0"/>
-              <a:t>6/28/16</a:t>
+              <a:t>6/30/16</a:t>
             </a:fld>
             <a:endParaRPr lang="en-US"/>
           </a:p>
@@ -3952,7 +3952,7 @@
           <a:p>
             <a:fld id="{0459C166-16D3-4A25-A2F8-C51E0E346B22}" type="datetimeFigureOut">
               <a:rPr lang="en-US" smtClean="0"/>
-              <a:t>6/28/16</a:t>
+              <a:t>6/30/16</a:t>
             </a:fld>
             <a:endParaRPr lang="en-US"/>
           </a:p>
@@ -4069,7 +4069,7 @@
           <a:p>
             <a:fld id="{0459C166-16D3-4A25-A2F8-C51E0E346B22}" type="datetimeFigureOut">
               <a:rPr lang="en-US" smtClean="0"/>
-              <a:t>6/28/16</a:t>
+              <a:t>6/30/16</a:t>
             </a:fld>
             <a:endParaRPr lang="en-US"/>
           </a:p>
@@ -4164,7 +4164,7 @@
           <a:p>
             <a:fld id="{0459C166-16D3-4A25-A2F8-C51E0E346B22}" type="datetimeFigureOut">
               <a:rPr lang="en-US" smtClean="0"/>
-              <a:t>6/28/16</a:t>
+              <a:t>6/30/16</a:t>
             </a:fld>
             <a:endParaRPr lang="en-US"/>
           </a:p>
@@ -4439,7 +4439,7 @@
           <a:p>
             <a:fld id="{0459C166-16D3-4A25-A2F8-C51E0E346B22}" type="datetimeFigureOut">
               <a:rPr lang="en-US" smtClean="0"/>
-              <a:t>6/28/16</a:t>
+              <a:t>6/30/16</a:t>
             </a:fld>
             <a:endParaRPr lang="en-US"/>
           </a:p>
@@ -4691,7 +4691,7 @@
           <a:p>
             <a:fld id="{0459C166-16D3-4A25-A2F8-C51E0E346B22}" type="datetimeFigureOut">
               <a:rPr lang="en-US" smtClean="0"/>
-              <a:t>6/28/16</a:t>
+              <a:t>6/30/16</a:t>
             </a:fld>
             <a:endParaRPr lang="en-US"/>
           </a:p>
@@ -4859,7 +4859,7 @@
           <a:p>
             <a:fld id="{0459C166-16D3-4A25-A2F8-C51E0E346B22}" type="datetimeFigureOut">
               <a:rPr lang="en-US" smtClean="0"/>
-              <a:t>6/28/16</a:t>
+              <a:t>6/30/16</a:t>
             </a:fld>
             <a:endParaRPr lang="en-US"/>
           </a:p>
@@ -5037,7 +5037,7 @@
           <a:p>
             <a:fld id="{0459C166-16D3-4A25-A2F8-C51E0E346B22}" type="datetimeFigureOut">
               <a:rPr lang="en-US" smtClean="0"/>
-              <a:t>6/28/16</a:t>
+              <a:t>6/30/16</a:t>
             </a:fld>
             <a:endParaRPr lang="en-US"/>
           </a:p>
@@ -5205,7 +5205,7 @@
           <a:p>
             <a:fld id="{0459C166-16D3-4A25-A2F8-C51E0E346B22}" type="datetimeFigureOut">
               <a:rPr lang="en-US" smtClean="0"/>
-              <a:t>6/28/16</a:t>
+              <a:t>6/30/16</a:t>
             </a:fld>
             <a:endParaRPr lang="en-US"/>
           </a:p>
@@ -5469,7 +5469,7 @@
             <a:fld id="{0459C166-16D3-4A25-A2F8-C51E0E346B22}" type="datetimeFigureOut">
               <a:rPr lang="en-US" smtClean="0"/>
               <a:pPr/>
-              <a:t>6/28/16</a:t>
+              <a:t>6/30/16</a:t>
             </a:fld>
             <a:endParaRPr lang="en-US"/>
           </a:p>
@@ -5785,7 +5785,7 @@
           <a:p>
             <a:fld id="{0459C166-16D3-4A25-A2F8-C51E0E346B22}" type="datetimeFigureOut">
               <a:rPr lang="en-US" smtClean="0"/>
-              <a:t>6/28/16</a:t>
+              <a:t>6/30/16</a:t>
             </a:fld>
             <a:endParaRPr lang="en-US"/>
           </a:p>
@@ -6177,7 +6177,7 @@
           <a:p>
             <a:fld id="{0459C166-16D3-4A25-A2F8-C51E0E346B22}" type="datetimeFigureOut">
               <a:rPr lang="en-US" smtClean="0"/>
-              <a:t>6/28/16</a:t>
+              <a:t>6/30/16</a:t>
             </a:fld>
             <a:endParaRPr lang="en-US"/>
           </a:p>
@@ -7138,7 +7138,7 @@
           <a:p>
             <a:fld id="{0459C166-16D3-4A25-A2F8-C51E0E346B22}" type="datetimeFigureOut">
               <a:rPr lang="en-US" smtClean="0"/>
-              <a:t>6/28/16</a:t>
+              <a:t>6/30/16</a:t>
             </a:fld>
             <a:endParaRPr lang="en-US"/>
           </a:p>
@@ -7349,7 +7349,7 @@
           <a:p>
             <a:fld id="{0459C166-16D3-4A25-A2F8-C51E0E346B22}" type="datetimeFigureOut">
               <a:rPr lang="en-US" smtClean="0"/>
-              <a:t>6/28/16</a:t>
+              <a:t>6/30/16</a:t>
             </a:fld>
             <a:endParaRPr lang="en-US"/>
           </a:p>
@@ -10076,7 +10076,7 @@
           <p:nvPr>
             <p:extLst>
               <p:ext uri="{D42A27DB-BD31-4B8C-83A1-F6EECF244321}">
-                <p14:modId xmlns:p14="http://schemas.microsoft.com/office/powerpoint/2010/main" val="8584049"/>
+                <p14:modId xmlns:p14="http://schemas.microsoft.com/office/powerpoint/2010/main" val="618227906"/>
               </p:ext>
             </p:extLst>
           </p:nvPr>
@@ -10095,14 +10095,14 @@
                 <a:gridCol w="4202815">
                   <a:extLst>
                     <a:ext uri="{9D8B030D-6E8A-4147-A177-3AD203B41FA5}">
-                      <a16:colId xmlns="" xmlns:a16="http://schemas.microsoft.com/office/drawing/2014/main" val="48614039"/>
+                      <a16:colId xmlns:a16="http://schemas.microsoft.com/office/drawing/2014/main" xmlns="" val="48614039"/>
                     </a:ext>
                   </a:extLst>
                 </a:gridCol>
                 <a:gridCol w="6863813">
                   <a:extLst>
                     <a:ext uri="{9D8B030D-6E8A-4147-A177-3AD203B41FA5}">
-                      <a16:colId xmlns="" xmlns:a16="http://schemas.microsoft.com/office/drawing/2014/main" val="1124546490"/>
+                      <a16:colId xmlns:a16="http://schemas.microsoft.com/office/drawing/2014/main" xmlns="" val="1124546490"/>
                     </a:ext>
                   </a:extLst>
                 </a:gridCol>
@@ -10115,7 +10115,7 @@
                     <a:p>
                       <a:pPr algn="ctr"/>
                       <a:r>
-                        <a:rPr lang="en-US" b="0" dirty="0">
+                        <a:rPr lang="en-US" b="1" dirty="0">
                           <a:solidFill>
                             <a:schemeClr val="bg1"/>
                           </a:solidFill>
@@ -10154,7 +10154,7 @@
                 </a:tc>
                 <a:extLst>
                   <a:ext uri="{0D108BD9-81ED-4DB2-BD59-A6C34878D82A}">
-                    <a16:rowId xmlns="" xmlns:a16="http://schemas.microsoft.com/office/drawing/2014/main" val="679667022"/>
+                    <a16:rowId xmlns:a16="http://schemas.microsoft.com/office/drawing/2014/main" xmlns="" val="679667022"/>
                   </a:ext>
                 </a:extLst>
               </a:tr>
@@ -10164,9 +10164,9 @@
                     <a:bodyPr/>
                     <a:lstStyle/>
                     <a:p>
-                      <a:pPr algn="ctr"/>
+                      <a:pPr algn="l"/>
                       <a:r>
-                        <a:rPr lang="en-US" dirty="0"/>
+                        <a:rPr lang="en-US" b="1" dirty="0"/>
                         <a:t>Code Editor</a:t>
                       </a:r>
                     </a:p>
@@ -10206,7 +10206,7 @@
                 </a:tc>
                 <a:extLst>
                   <a:ext uri="{0D108BD9-81ED-4DB2-BD59-A6C34878D82A}">
-                    <a16:rowId xmlns="" xmlns:a16="http://schemas.microsoft.com/office/drawing/2014/main" val="2034482246"/>
+                    <a16:rowId xmlns:a16="http://schemas.microsoft.com/office/drawing/2014/main" xmlns="" val="2034482246"/>
                   </a:ext>
                 </a:extLst>
               </a:tr>
@@ -10216,9 +10216,9 @@
                     <a:bodyPr/>
                     <a:lstStyle/>
                     <a:p>
-                      <a:pPr algn="ctr"/>
+                      <a:pPr algn="l"/>
                       <a:r>
-                        <a:rPr lang="en-US" dirty="0"/>
+                        <a:rPr lang="en-US" b="1" dirty="0"/>
                         <a:t>Evaluation Results</a:t>
                       </a:r>
                     </a:p>
@@ -10258,7 +10258,7 @@
                 </a:tc>
                 <a:extLst>
                   <a:ext uri="{0D108BD9-81ED-4DB2-BD59-A6C34878D82A}">
-                    <a16:rowId xmlns="" xmlns:a16="http://schemas.microsoft.com/office/drawing/2014/main" val="682465758"/>
+                    <a16:rowId xmlns:a16="http://schemas.microsoft.com/office/drawing/2014/main" xmlns="" val="682465758"/>
                   </a:ext>
                 </a:extLst>
               </a:tr>
@@ -10268,9 +10268,9 @@
                     <a:bodyPr/>
                     <a:lstStyle/>
                     <a:p>
-                      <a:pPr algn="ctr"/>
+                      <a:pPr algn="l"/>
                       <a:r>
-                        <a:rPr lang="en-US" dirty="0"/>
+                        <a:rPr lang="en-US" b="1" dirty="0"/>
                         <a:t>Output and Analysis</a:t>
                       </a:r>
                     </a:p>
@@ -10317,7 +10317,7 @@
                 </a:tc>
                 <a:extLst>
                   <a:ext uri="{0D108BD9-81ED-4DB2-BD59-A6C34878D82A}">
-                    <a16:rowId xmlns="" xmlns:a16="http://schemas.microsoft.com/office/drawing/2014/main" val="4230228483"/>
+                    <a16:rowId xmlns:a16="http://schemas.microsoft.com/office/drawing/2014/main" xmlns="" val="4230228483"/>
                   </a:ext>
                 </a:extLst>
               </a:tr>
@@ -13056,7 +13056,7 @@
   <a:extraClrSchemeLst/>
   <a:extLst>
     <a:ext uri="{05A4C25C-085E-4340-85A3-A5531E510DB2}">
-      <thm15:themeFamily xmlns="" xmlns:thm15="http://schemas.microsoft.com/office/thememl/2012/main" name="Office Theme" id="{62F939B6-93AF-4DB8-9C6B-D6C7DFDC589F}" vid="{4A3C46E8-61CC-4603-A589-7422A47A8E4A}"/>
+      <thm15:themeFamily xmlns:thm15="http://schemas.microsoft.com/office/thememl/2012/main" xmlns="" name="Office Theme" id="{62F939B6-93AF-4DB8-9C6B-D6C7DFDC589F}" vid="{4A3C46E8-61CC-4603-A589-7422A47A8E4A}"/>
     </a:ext>
   </a:extLst>
 </a:theme>
@@ -13351,7 +13351,7 @@
   <a:extraClrSchemeLst/>
   <a:extLst>
     <a:ext uri="{05A4C25C-085E-4340-85A3-A5531E510DB2}">
-      <thm15:themeFamily xmlns="" xmlns:thm15="http://schemas.microsoft.com/office/thememl/2012/main" name="Office Theme" id="{62F939B6-93AF-4DB8-9C6B-D6C7DFDC589F}" vid="{4A3C46E8-61CC-4603-A589-7422A47A8E4A}"/>
+      <thm15:themeFamily xmlns:thm15="http://schemas.microsoft.com/office/thememl/2012/main" xmlns="" name="Office Theme" id="{62F939B6-93AF-4DB8-9C6B-D6C7DFDC589F}" vid="{4A3C46E8-61CC-4603-A589-7422A47A8E4A}"/>
     </a:ext>
   </a:extLst>
 </a:theme>

--- a/Complimentary Course Content/Module3/Lessons/Module3_Lesson11 Debugging and Testing Xamarin Apps.pptx
+++ b/Complimentary Course Content/Module3/Lessons/Module3_Lesson11 Debugging and Testing Xamarin Apps.pptx
@@ -129,7 +129,7 @@
   </p:defaultTextStyle>
   <p:extLst>
     <p:ext uri="{EFAFB233-063F-42B5-8137-9DF3F51BA10A}">
-      <p15:sldGuideLst xmlns:p15="http://schemas.microsoft.com/office/powerpoint/2012/main" xmlns="">
+      <p15:sldGuideLst xmlns="" xmlns:p15="http://schemas.microsoft.com/office/powerpoint/2012/main">
         <p15:guide id="1" orient="horz" pos="2160">
           <p15:clr>
             <a:srgbClr val="A4A3A4"/>
@@ -234,7 +234,7 @@
           <a:p>
             <a:fld id="{49B60EF2-7028-489F-85D8-FE86CD7CF2A0}" type="datetimeFigureOut">
               <a:rPr lang="en-US" smtClean="0"/>
-              <a:t>6/30/16</a:t>
+              <a:t>7/7/16</a:t>
             </a:fld>
             <a:endParaRPr lang="en-US"/>
           </a:p>
@@ -2547,7 +2547,15 @@
             </a:pPr>
             <a:r>
               <a:rPr lang="en-US" baseline="0" dirty="0"/>
-              <a:t>For every platform that is to be targeted by the finished product (iOS, Android, Windows Phone, etc.), don’t assume that working code will function the same in another platform</a:t>
+              <a:t>For every platform that is to be targeted by the finished product (iOS, Android, </a:t>
+            </a:r>
+            <a:r>
+              <a:rPr lang="en-US" baseline="0" dirty="0" smtClean="0"/>
+              <a:t>Windows, </a:t>
+            </a:r>
+            <a:r>
+              <a:rPr lang="en-US" baseline="0" dirty="0"/>
+              <a:t>etc.), don’t assume that working code will function the same in another platform</a:t>
             </a:r>
           </a:p>
           <a:p>
@@ -3588,7 +3596,7 @@
           <a:p>
             <a:fld id="{0459C166-16D3-4A25-A2F8-C51E0E346B22}" type="datetimeFigureOut">
               <a:rPr lang="en-US" smtClean="0"/>
-              <a:t>6/30/16</a:t>
+              <a:t>7/7/16</a:t>
             </a:fld>
             <a:endParaRPr lang="en-US"/>
           </a:p>
@@ -3952,7 +3960,7 @@
           <a:p>
             <a:fld id="{0459C166-16D3-4A25-A2F8-C51E0E346B22}" type="datetimeFigureOut">
               <a:rPr lang="en-US" smtClean="0"/>
-              <a:t>6/30/16</a:t>
+              <a:t>7/7/16</a:t>
             </a:fld>
             <a:endParaRPr lang="en-US"/>
           </a:p>
@@ -4069,7 +4077,7 @@
           <a:p>
             <a:fld id="{0459C166-16D3-4A25-A2F8-C51E0E346B22}" type="datetimeFigureOut">
               <a:rPr lang="en-US" smtClean="0"/>
-              <a:t>6/30/16</a:t>
+              <a:t>7/7/16</a:t>
             </a:fld>
             <a:endParaRPr lang="en-US"/>
           </a:p>
@@ -4164,7 +4172,7 @@
           <a:p>
             <a:fld id="{0459C166-16D3-4A25-A2F8-C51E0E346B22}" type="datetimeFigureOut">
               <a:rPr lang="en-US" smtClean="0"/>
-              <a:t>6/30/16</a:t>
+              <a:t>7/7/16</a:t>
             </a:fld>
             <a:endParaRPr lang="en-US"/>
           </a:p>
@@ -4439,7 +4447,7 @@
           <a:p>
             <a:fld id="{0459C166-16D3-4A25-A2F8-C51E0E346B22}" type="datetimeFigureOut">
               <a:rPr lang="en-US" smtClean="0"/>
-              <a:t>6/30/16</a:t>
+              <a:t>7/7/16</a:t>
             </a:fld>
             <a:endParaRPr lang="en-US"/>
           </a:p>
@@ -4691,7 +4699,7 @@
           <a:p>
             <a:fld id="{0459C166-16D3-4A25-A2F8-C51E0E346B22}" type="datetimeFigureOut">
               <a:rPr lang="en-US" smtClean="0"/>
-              <a:t>6/30/16</a:t>
+              <a:t>7/7/16</a:t>
             </a:fld>
             <a:endParaRPr lang="en-US"/>
           </a:p>
@@ -4859,7 +4867,7 @@
           <a:p>
             <a:fld id="{0459C166-16D3-4A25-A2F8-C51E0E346B22}" type="datetimeFigureOut">
               <a:rPr lang="en-US" smtClean="0"/>
-              <a:t>6/30/16</a:t>
+              <a:t>7/7/16</a:t>
             </a:fld>
             <a:endParaRPr lang="en-US"/>
           </a:p>
@@ -5037,7 +5045,7 @@
           <a:p>
             <a:fld id="{0459C166-16D3-4A25-A2F8-C51E0E346B22}" type="datetimeFigureOut">
               <a:rPr lang="en-US" smtClean="0"/>
-              <a:t>6/30/16</a:t>
+              <a:t>7/7/16</a:t>
             </a:fld>
             <a:endParaRPr lang="en-US"/>
           </a:p>
@@ -5205,7 +5213,7 @@
           <a:p>
             <a:fld id="{0459C166-16D3-4A25-A2F8-C51E0E346B22}" type="datetimeFigureOut">
               <a:rPr lang="en-US" smtClean="0"/>
-              <a:t>6/30/16</a:t>
+              <a:t>7/7/16</a:t>
             </a:fld>
             <a:endParaRPr lang="en-US"/>
           </a:p>
@@ -5469,7 +5477,7 @@
             <a:fld id="{0459C166-16D3-4A25-A2F8-C51E0E346B22}" type="datetimeFigureOut">
               <a:rPr lang="en-US" smtClean="0"/>
               <a:pPr/>
-              <a:t>6/30/16</a:t>
+              <a:t>7/7/16</a:t>
             </a:fld>
             <a:endParaRPr lang="en-US"/>
           </a:p>
@@ -5785,7 +5793,7 @@
           <a:p>
             <a:fld id="{0459C166-16D3-4A25-A2F8-C51E0E346B22}" type="datetimeFigureOut">
               <a:rPr lang="en-US" smtClean="0"/>
-              <a:t>6/30/16</a:t>
+              <a:t>7/7/16</a:t>
             </a:fld>
             <a:endParaRPr lang="en-US"/>
           </a:p>
@@ -6177,7 +6185,7 @@
           <a:p>
             <a:fld id="{0459C166-16D3-4A25-A2F8-C51E0E346B22}" type="datetimeFigureOut">
               <a:rPr lang="en-US" smtClean="0"/>
-              <a:t>6/30/16</a:t>
+              <a:t>7/7/16</a:t>
             </a:fld>
             <a:endParaRPr lang="en-US"/>
           </a:p>
@@ -7138,7 +7146,7 @@
           <a:p>
             <a:fld id="{0459C166-16D3-4A25-A2F8-C51E0E346B22}" type="datetimeFigureOut">
               <a:rPr lang="en-US" smtClean="0"/>
-              <a:t>6/30/16</a:t>
+              <a:t>7/7/16</a:t>
             </a:fld>
             <a:endParaRPr lang="en-US"/>
           </a:p>
@@ -7349,7 +7357,7 @@
           <a:p>
             <a:fld id="{0459C166-16D3-4A25-A2F8-C51E0E346B22}" type="datetimeFigureOut">
               <a:rPr lang="en-US" smtClean="0"/>
-              <a:t>6/30/16</a:t>
+              <a:t>7/7/16</a:t>
             </a:fld>
             <a:endParaRPr lang="en-US"/>
           </a:p>
@@ -10095,14 +10103,14 @@
                 <a:gridCol w="4202815">
                   <a:extLst>
                     <a:ext uri="{9D8B030D-6E8A-4147-A177-3AD203B41FA5}">
-                      <a16:colId xmlns:a16="http://schemas.microsoft.com/office/drawing/2014/main" xmlns="" val="48614039"/>
+                      <a16:colId xmlns="" xmlns:a16="http://schemas.microsoft.com/office/drawing/2014/main" val="48614039"/>
                     </a:ext>
                   </a:extLst>
                 </a:gridCol>
                 <a:gridCol w="6863813">
                   <a:extLst>
                     <a:ext uri="{9D8B030D-6E8A-4147-A177-3AD203B41FA5}">
-                      <a16:colId xmlns:a16="http://schemas.microsoft.com/office/drawing/2014/main" xmlns="" val="1124546490"/>
+                      <a16:colId xmlns="" xmlns:a16="http://schemas.microsoft.com/office/drawing/2014/main" val="1124546490"/>
                     </a:ext>
                   </a:extLst>
                 </a:gridCol>
@@ -10154,7 +10162,7 @@
                 </a:tc>
                 <a:extLst>
                   <a:ext uri="{0D108BD9-81ED-4DB2-BD59-A6C34878D82A}">
-                    <a16:rowId xmlns:a16="http://schemas.microsoft.com/office/drawing/2014/main" xmlns="" val="679667022"/>
+                    <a16:rowId xmlns="" xmlns:a16="http://schemas.microsoft.com/office/drawing/2014/main" val="679667022"/>
                   </a:ext>
                 </a:extLst>
               </a:tr>
@@ -10206,7 +10214,7 @@
                 </a:tc>
                 <a:extLst>
                   <a:ext uri="{0D108BD9-81ED-4DB2-BD59-A6C34878D82A}">
-                    <a16:rowId xmlns:a16="http://schemas.microsoft.com/office/drawing/2014/main" xmlns="" val="2034482246"/>
+                    <a16:rowId xmlns="" xmlns:a16="http://schemas.microsoft.com/office/drawing/2014/main" val="2034482246"/>
                   </a:ext>
                 </a:extLst>
               </a:tr>
@@ -10258,7 +10266,7 @@
                 </a:tc>
                 <a:extLst>
                   <a:ext uri="{0D108BD9-81ED-4DB2-BD59-A6C34878D82A}">
-                    <a16:rowId xmlns:a16="http://schemas.microsoft.com/office/drawing/2014/main" xmlns="" val="682465758"/>
+                    <a16:rowId xmlns="" xmlns:a16="http://schemas.microsoft.com/office/drawing/2014/main" val="682465758"/>
                   </a:ext>
                 </a:extLst>
               </a:tr>
@@ -10317,7 +10325,7 @@
                 </a:tc>
                 <a:extLst>
                   <a:ext uri="{0D108BD9-81ED-4DB2-BD59-A6C34878D82A}">
-                    <a16:rowId xmlns:a16="http://schemas.microsoft.com/office/drawing/2014/main" xmlns="" val="4230228483"/>
+                    <a16:rowId xmlns="" xmlns:a16="http://schemas.microsoft.com/office/drawing/2014/main" val="4230228483"/>
                   </a:ext>
                 </a:extLst>
               </a:tr>
@@ -13056,7 +13064,7 @@
   <a:extraClrSchemeLst/>
   <a:extLst>
     <a:ext uri="{05A4C25C-085E-4340-85A3-A5531E510DB2}">
-      <thm15:themeFamily xmlns:thm15="http://schemas.microsoft.com/office/thememl/2012/main" xmlns="" name="Office Theme" id="{62F939B6-93AF-4DB8-9C6B-D6C7DFDC589F}" vid="{4A3C46E8-61CC-4603-A589-7422A47A8E4A}"/>
+      <thm15:themeFamily xmlns="" xmlns:thm15="http://schemas.microsoft.com/office/thememl/2012/main" name="Office Theme" id="{62F939B6-93AF-4DB8-9C6B-D6C7DFDC589F}" vid="{4A3C46E8-61CC-4603-A589-7422A47A8E4A}"/>
     </a:ext>
   </a:extLst>
 </a:theme>
@@ -13351,7 +13359,7 @@
   <a:extraClrSchemeLst/>
   <a:extLst>
     <a:ext uri="{05A4C25C-085E-4340-85A3-A5531E510DB2}">
-      <thm15:themeFamily xmlns:thm15="http://schemas.microsoft.com/office/thememl/2012/main" xmlns="" name="Office Theme" id="{62F939B6-93AF-4DB8-9C6B-D6C7DFDC589F}" vid="{4A3C46E8-61CC-4603-A589-7422A47A8E4A}"/>
+      <thm15:themeFamily xmlns="" xmlns:thm15="http://schemas.microsoft.com/office/thememl/2012/main" name="Office Theme" id="{62F939B6-93AF-4DB8-9C6B-D6C7DFDC589F}" vid="{4A3C46E8-61CC-4603-A589-7422A47A8E4A}"/>
     </a:ext>
   </a:extLst>
 </a:theme>

--- a/Complimentary Course Content/Module3/Lessons/Module3_Lesson11 Debugging and Testing Xamarin Apps.pptx
+++ b/Complimentary Course Content/Module3/Lessons/Module3_Lesson11 Debugging and Testing Xamarin Apps.pptx
@@ -129,7 +129,7 @@
   </p:defaultTextStyle>
   <p:extLst>
     <p:ext uri="{EFAFB233-063F-42B5-8137-9DF3F51BA10A}">
-      <p15:sldGuideLst xmlns="" xmlns:p15="http://schemas.microsoft.com/office/powerpoint/2012/main">
+      <p15:sldGuideLst xmlns:p15="http://schemas.microsoft.com/office/powerpoint/2012/main">
         <p15:guide id="1" orient="horz" pos="2160">
           <p15:clr>
             <a:srgbClr val="A4A3A4"/>
@@ -234,7 +234,7 @@
           <a:p>
             <a:fld id="{49B60EF2-7028-489F-85D8-FE86CD7CF2A0}" type="datetimeFigureOut">
               <a:rPr lang="en-US" smtClean="0"/>
-              <a:t>7/7/16</a:t>
+              <a:t>9/9/16</a:t>
             </a:fld>
             <a:endParaRPr lang="en-US"/>
           </a:p>
@@ -545,6 +545,117 @@
           <a:bodyPr/>
           <a:lstStyle/>
           <a:p>
+            <a:r>
+              <a:rPr lang="en-US" sz="1200" b="0" i="0" kern="1200" dirty="0" smtClean="0">
+                <a:solidFill>
+                  <a:schemeClr val="tx1"/>
+                </a:solidFill>
+                <a:effectLst/>
+                <a:latin typeface="+mn-lt"/>
+                <a:ea typeface="+mn-ea"/>
+                <a:cs typeface="+mn-cs"/>
+              </a:rPr>
+              <a:t>Images and excerpts from </a:t>
+            </a:r>
+            <a:r>
+              <a:rPr lang="en-US" sz="1200" b="0" i="1" kern="1200" dirty="0" err="1" smtClean="0">
+                <a:solidFill>
+                  <a:schemeClr val="tx1"/>
+                </a:solidFill>
+                <a:effectLst/>
+                <a:latin typeface="+mn-lt"/>
+                <a:ea typeface="+mn-ea"/>
+                <a:cs typeface="+mn-cs"/>
+              </a:rPr>
+              <a:t>Xamarin</a:t>
+            </a:r>
+            <a:r>
+              <a:rPr lang="en-US" sz="1200" b="0" i="1" kern="1200" dirty="0" smtClean="0">
+                <a:solidFill>
+                  <a:schemeClr val="tx1"/>
+                </a:solidFill>
+                <a:effectLst/>
+                <a:latin typeface="+mn-lt"/>
+                <a:ea typeface="+mn-ea"/>
+                <a:cs typeface="+mn-cs"/>
+              </a:rPr>
+              <a:t> Mobile Application Development </a:t>
+            </a:r>
+            <a:r>
+              <a:rPr lang="en-US" sz="1200" b="0" i="0" kern="1200" dirty="0" smtClean="0">
+                <a:solidFill>
+                  <a:schemeClr val="tx1"/>
+                </a:solidFill>
+                <a:effectLst/>
+                <a:latin typeface="+mn-lt"/>
+                <a:ea typeface="+mn-ea"/>
+                <a:cs typeface="+mn-cs"/>
+              </a:rPr>
+              <a:t>by Dan Hermes, published by </a:t>
+            </a:r>
+            <a:r>
+              <a:rPr lang="en-US" sz="1200" b="0" i="0" kern="1200" dirty="0" err="1" smtClean="0">
+                <a:solidFill>
+                  <a:schemeClr val="tx1"/>
+                </a:solidFill>
+                <a:effectLst/>
+                <a:latin typeface="+mn-lt"/>
+                <a:ea typeface="+mn-ea"/>
+                <a:cs typeface="+mn-cs"/>
+              </a:rPr>
+              <a:t>Apress</a:t>
+            </a:r>
+            <a:r>
+              <a:rPr lang="en-US" sz="1200" b="0" i="0" kern="1200" dirty="0" smtClean="0">
+                <a:solidFill>
+                  <a:schemeClr val="tx1"/>
+                </a:solidFill>
+                <a:effectLst/>
+                <a:latin typeface="+mn-lt"/>
+                <a:ea typeface="+mn-ea"/>
+                <a:cs typeface="+mn-cs"/>
+              </a:rPr>
+              <a:t>  </a:t>
+            </a:r>
+          </a:p>
+          <a:p>
+            <a:r>
+              <a:rPr lang="en-US" sz="1200" b="0" i="0" kern="1200" dirty="0" smtClean="0">
+                <a:solidFill>
+                  <a:schemeClr val="tx1"/>
+                </a:solidFill>
+                <a:effectLst/>
+                <a:latin typeface="+mn-lt"/>
+                <a:ea typeface="+mn-ea"/>
+                <a:cs typeface="+mn-cs"/>
+                <a:hlinkClick r:id="rId3"/>
+              </a:rPr>
+              <a:t>http://www.mobilecsharpcafe.com/xamarin</a:t>
+            </a:r>
+            <a:r>
+              <a:rPr lang="en-US" sz="1200" b="0" i="0" kern="1200" smtClean="0">
+                <a:solidFill>
+                  <a:schemeClr val="tx1"/>
+                </a:solidFill>
+                <a:effectLst/>
+                <a:latin typeface="+mn-lt"/>
+                <a:ea typeface="+mn-ea"/>
+                <a:cs typeface="+mn-cs"/>
+                <a:hlinkClick r:id="rId3"/>
+              </a:rPr>
+              <a:t>-book/</a:t>
+            </a:r>
+            <a:endParaRPr lang="en-US" sz="1200" b="0" i="0" kern="1200" smtClean="0">
+              <a:solidFill>
+                <a:schemeClr val="tx1"/>
+              </a:solidFill>
+              <a:effectLst/>
+              <a:latin typeface="+mn-lt"/>
+              <a:ea typeface="+mn-ea"/>
+              <a:cs typeface="+mn-cs"/>
+            </a:endParaRPr>
+          </a:p>
+          <a:p>
             <a:endParaRPr lang="en-US" dirty="0"/>
           </a:p>
         </p:txBody>
@@ -3596,7 +3707,7 @@
           <a:p>
             <a:fld id="{0459C166-16D3-4A25-A2F8-C51E0E346B22}" type="datetimeFigureOut">
               <a:rPr lang="en-US" smtClean="0"/>
-              <a:t>7/7/16</a:t>
+              <a:t>9/9/16</a:t>
             </a:fld>
             <a:endParaRPr lang="en-US"/>
           </a:p>
@@ -3960,7 +4071,7 @@
           <a:p>
             <a:fld id="{0459C166-16D3-4A25-A2F8-C51E0E346B22}" type="datetimeFigureOut">
               <a:rPr lang="en-US" smtClean="0"/>
-              <a:t>7/7/16</a:t>
+              <a:t>9/9/16</a:t>
             </a:fld>
             <a:endParaRPr lang="en-US"/>
           </a:p>
@@ -4077,7 +4188,7 @@
           <a:p>
             <a:fld id="{0459C166-16D3-4A25-A2F8-C51E0E346B22}" type="datetimeFigureOut">
               <a:rPr lang="en-US" smtClean="0"/>
-              <a:t>7/7/16</a:t>
+              <a:t>9/9/16</a:t>
             </a:fld>
             <a:endParaRPr lang="en-US"/>
           </a:p>
@@ -4172,7 +4283,7 @@
           <a:p>
             <a:fld id="{0459C166-16D3-4A25-A2F8-C51E0E346B22}" type="datetimeFigureOut">
               <a:rPr lang="en-US" smtClean="0"/>
-              <a:t>7/7/16</a:t>
+              <a:t>9/9/16</a:t>
             </a:fld>
             <a:endParaRPr lang="en-US"/>
           </a:p>
@@ -4447,7 +4558,7 @@
           <a:p>
             <a:fld id="{0459C166-16D3-4A25-A2F8-C51E0E346B22}" type="datetimeFigureOut">
               <a:rPr lang="en-US" smtClean="0"/>
-              <a:t>7/7/16</a:t>
+              <a:t>9/9/16</a:t>
             </a:fld>
             <a:endParaRPr lang="en-US"/>
           </a:p>
@@ -4699,7 +4810,7 @@
           <a:p>
             <a:fld id="{0459C166-16D3-4A25-A2F8-C51E0E346B22}" type="datetimeFigureOut">
               <a:rPr lang="en-US" smtClean="0"/>
-              <a:t>7/7/16</a:t>
+              <a:t>9/9/16</a:t>
             </a:fld>
             <a:endParaRPr lang="en-US"/>
           </a:p>
@@ -4867,7 +4978,7 @@
           <a:p>
             <a:fld id="{0459C166-16D3-4A25-A2F8-C51E0E346B22}" type="datetimeFigureOut">
               <a:rPr lang="en-US" smtClean="0"/>
-              <a:t>7/7/16</a:t>
+              <a:t>9/9/16</a:t>
             </a:fld>
             <a:endParaRPr lang="en-US"/>
           </a:p>
@@ -5045,7 +5156,7 @@
           <a:p>
             <a:fld id="{0459C166-16D3-4A25-A2F8-C51E0E346B22}" type="datetimeFigureOut">
               <a:rPr lang="en-US" smtClean="0"/>
-              <a:t>7/7/16</a:t>
+              <a:t>9/9/16</a:t>
             </a:fld>
             <a:endParaRPr lang="en-US"/>
           </a:p>
@@ -5213,7 +5324,7 @@
           <a:p>
             <a:fld id="{0459C166-16D3-4A25-A2F8-C51E0E346B22}" type="datetimeFigureOut">
               <a:rPr lang="en-US" smtClean="0"/>
-              <a:t>7/7/16</a:t>
+              <a:t>9/9/16</a:t>
             </a:fld>
             <a:endParaRPr lang="en-US"/>
           </a:p>
@@ -5477,7 +5588,7 @@
             <a:fld id="{0459C166-16D3-4A25-A2F8-C51E0E346B22}" type="datetimeFigureOut">
               <a:rPr lang="en-US" smtClean="0"/>
               <a:pPr/>
-              <a:t>7/7/16</a:t>
+              <a:t>9/9/16</a:t>
             </a:fld>
             <a:endParaRPr lang="en-US"/>
           </a:p>
@@ -5793,7 +5904,7 @@
           <a:p>
             <a:fld id="{0459C166-16D3-4A25-A2F8-C51E0E346B22}" type="datetimeFigureOut">
               <a:rPr lang="en-US" smtClean="0"/>
-              <a:t>7/7/16</a:t>
+              <a:t>9/9/16</a:t>
             </a:fld>
             <a:endParaRPr lang="en-US"/>
           </a:p>
@@ -6185,7 +6296,7 @@
           <a:p>
             <a:fld id="{0459C166-16D3-4A25-A2F8-C51E0E346B22}" type="datetimeFigureOut">
               <a:rPr lang="en-US" smtClean="0"/>
-              <a:t>7/7/16</a:t>
+              <a:t>9/9/16</a:t>
             </a:fld>
             <a:endParaRPr lang="en-US"/>
           </a:p>
@@ -7146,7 +7257,7 @@
           <a:p>
             <a:fld id="{0459C166-16D3-4A25-A2F8-C51E0E346B22}" type="datetimeFigureOut">
               <a:rPr lang="en-US" smtClean="0"/>
-              <a:t>7/7/16</a:t>
+              <a:t>9/9/16</a:t>
             </a:fld>
             <a:endParaRPr lang="en-US"/>
           </a:p>
@@ -7357,7 +7468,7 @@
           <a:p>
             <a:fld id="{0459C166-16D3-4A25-A2F8-C51E0E346B22}" type="datetimeFigureOut">
               <a:rPr lang="en-US" smtClean="0"/>
-              <a:t>7/7/16</a:t>
+              <a:t>9/9/16</a:t>
             </a:fld>
             <a:endParaRPr lang="en-US"/>
           </a:p>
@@ -10103,14 +10214,14 @@
                 <a:gridCol w="4202815">
                   <a:extLst>
                     <a:ext uri="{9D8B030D-6E8A-4147-A177-3AD203B41FA5}">
-                      <a16:colId xmlns="" xmlns:a16="http://schemas.microsoft.com/office/drawing/2014/main" val="48614039"/>
+                      <a16:colId xmlns:a16="http://schemas.microsoft.com/office/drawing/2014/main" xmlns="" val="48614039"/>
                     </a:ext>
                   </a:extLst>
                 </a:gridCol>
                 <a:gridCol w="6863813">
                   <a:extLst>
                     <a:ext uri="{9D8B030D-6E8A-4147-A177-3AD203B41FA5}">
-                      <a16:colId xmlns="" xmlns:a16="http://schemas.microsoft.com/office/drawing/2014/main" val="1124546490"/>
+                      <a16:colId xmlns:a16="http://schemas.microsoft.com/office/drawing/2014/main" xmlns="" val="1124546490"/>
                     </a:ext>
                   </a:extLst>
                 </a:gridCol>
@@ -10162,7 +10273,7 @@
                 </a:tc>
                 <a:extLst>
                   <a:ext uri="{0D108BD9-81ED-4DB2-BD59-A6C34878D82A}">
-                    <a16:rowId xmlns="" xmlns:a16="http://schemas.microsoft.com/office/drawing/2014/main" val="679667022"/>
+                    <a16:rowId xmlns:a16="http://schemas.microsoft.com/office/drawing/2014/main" xmlns="" val="679667022"/>
                   </a:ext>
                 </a:extLst>
               </a:tr>
@@ -10214,7 +10325,7 @@
                 </a:tc>
                 <a:extLst>
                   <a:ext uri="{0D108BD9-81ED-4DB2-BD59-A6C34878D82A}">
-                    <a16:rowId xmlns="" xmlns:a16="http://schemas.microsoft.com/office/drawing/2014/main" val="2034482246"/>
+                    <a16:rowId xmlns:a16="http://schemas.microsoft.com/office/drawing/2014/main" xmlns="" val="2034482246"/>
                   </a:ext>
                 </a:extLst>
               </a:tr>
@@ -10266,7 +10377,7 @@
                 </a:tc>
                 <a:extLst>
                   <a:ext uri="{0D108BD9-81ED-4DB2-BD59-A6C34878D82A}">
-                    <a16:rowId xmlns="" xmlns:a16="http://schemas.microsoft.com/office/drawing/2014/main" val="682465758"/>
+                    <a16:rowId xmlns:a16="http://schemas.microsoft.com/office/drawing/2014/main" xmlns="" val="682465758"/>
                   </a:ext>
                 </a:extLst>
               </a:tr>
@@ -10325,7 +10436,7 @@
                 </a:tc>
                 <a:extLst>
                   <a:ext uri="{0D108BD9-81ED-4DB2-BD59-A6C34878D82A}">
-                    <a16:rowId xmlns="" xmlns:a16="http://schemas.microsoft.com/office/drawing/2014/main" val="4230228483"/>
+                    <a16:rowId xmlns:a16="http://schemas.microsoft.com/office/drawing/2014/main" xmlns="" val="4230228483"/>
                   </a:ext>
                 </a:extLst>
               </a:tr>
@@ -13064,7 +13175,7 @@
   <a:extraClrSchemeLst/>
   <a:extLst>
     <a:ext uri="{05A4C25C-085E-4340-85A3-A5531E510DB2}">
-      <thm15:themeFamily xmlns="" xmlns:thm15="http://schemas.microsoft.com/office/thememl/2012/main" name="Office Theme" id="{62F939B6-93AF-4DB8-9C6B-D6C7DFDC589F}" vid="{4A3C46E8-61CC-4603-A589-7422A47A8E4A}"/>
+      <thm15:themeFamily xmlns:thm15="http://schemas.microsoft.com/office/thememl/2012/main" name="Office Theme" id="{62F939B6-93AF-4DB8-9C6B-D6C7DFDC589F}" vid="{4A3C46E8-61CC-4603-A589-7422A47A8E4A}"/>
     </a:ext>
   </a:extLst>
 </a:theme>
@@ -13359,7 +13470,7 @@
   <a:extraClrSchemeLst/>
   <a:extLst>
     <a:ext uri="{05A4C25C-085E-4340-85A3-A5531E510DB2}">
-      <thm15:themeFamily xmlns="" xmlns:thm15="http://schemas.microsoft.com/office/thememl/2012/main" name="Office Theme" id="{62F939B6-93AF-4DB8-9C6B-D6C7DFDC589F}" vid="{4A3C46E8-61CC-4603-A589-7422A47A8E4A}"/>
+      <thm15:themeFamily xmlns:thm15="http://schemas.microsoft.com/office/thememl/2012/main" name="Office Theme" id="{62F939B6-93AF-4DB8-9C6B-D6C7DFDC589F}" vid="{4A3C46E8-61CC-4603-A589-7422A47A8E4A}"/>
     </a:ext>
   </a:extLst>
 </a:theme>
